--- a/backend/templates/ticket_template_oneway.pptx
+++ b/backend/templates/ticket_template_oneway.pptx
@@ -104,6 +104,11 @@
       </a:defRPr>
     </a:lvl9pPr>
   </p:defaultTextStyle>
+  <p:extLst>
+    <p:ext uri="{EFAFB233-063F-42B5-8137-9DF3F51BA10A}">
+      <p15:sldGuideLst xmlns:p15="http://schemas.microsoft.com/office/powerpoint/2012/main"/>
+    </p:ext>
+  </p:extLst>
 </p:presentation>
 </file>
 
@@ -238,7 +243,7 @@
           <a:p>
             <a:fld id="{9AE5AEBF-C5F5-4C8B-8293-61D24E0D515D}" type="datetimeFigureOut">
               <a:rPr lang="en-US" smtClean="0"/>
-              <a:t>12/15/2025</a:t>
+              <a:t>12/23/2025</a:t>
             </a:fld>
             <a:endParaRPr lang="en-US"/>
           </a:p>
@@ -408,7 +413,7 @@
           <a:p>
             <a:fld id="{9AE5AEBF-C5F5-4C8B-8293-61D24E0D515D}" type="datetimeFigureOut">
               <a:rPr lang="en-US" smtClean="0"/>
-              <a:t>12/15/2025</a:t>
+              <a:t>12/23/2025</a:t>
             </a:fld>
             <a:endParaRPr lang="en-US"/>
           </a:p>
@@ -588,7 +593,7 @@
           <a:p>
             <a:fld id="{9AE5AEBF-C5F5-4C8B-8293-61D24E0D515D}" type="datetimeFigureOut">
               <a:rPr lang="en-US" smtClean="0"/>
-              <a:t>12/15/2025</a:t>
+              <a:t>12/23/2025</a:t>
             </a:fld>
             <a:endParaRPr lang="en-US"/>
           </a:p>
@@ -758,7 +763,7 @@
           <a:p>
             <a:fld id="{9AE5AEBF-C5F5-4C8B-8293-61D24E0D515D}" type="datetimeFigureOut">
               <a:rPr lang="en-US" smtClean="0"/>
-              <a:t>12/15/2025</a:t>
+              <a:t>12/23/2025</a:t>
             </a:fld>
             <a:endParaRPr lang="en-US"/>
           </a:p>
@@ -1004,7 +1009,7 @@
           <a:p>
             <a:fld id="{9AE5AEBF-C5F5-4C8B-8293-61D24E0D515D}" type="datetimeFigureOut">
               <a:rPr lang="en-US" smtClean="0"/>
-              <a:t>12/15/2025</a:t>
+              <a:t>12/23/2025</a:t>
             </a:fld>
             <a:endParaRPr lang="en-US"/>
           </a:p>
@@ -1236,7 +1241,7 @@
           <a:p>
             <a:fld id="{9AE5AEBF-C5F5-4C8B-8293-61D24E0D515D}" type="datetimeFigureOut">
               <a:rPr lang="en-US" smtClean="0"/>
-              <a:t>12/15/2025</a:t>
+              <a:t>12/23/2025</a:t>
             </a:fld>
             <a:endParaRPr lang="en-US"/>
           </a:p>
@@ -1603,7 +1608,7 @@
           <a:p>
             <a:fld id="{9AE5AEBF-C5F5-4C8B-8293-61D24E0D515D}" type="datetimeFigureOut">
               <a:rPr lang="en-US" smtClean="0"/>
-              <a:t>12/15/2025</a:t>
+              <a:t>12/23/2025</a:t>
             </a:fld>
             <a:endParaRPr lang="en-US"/>
           </a:p>
@@ -1721,7 +1726,7 @@
           <a:p>
             <a:fld id="{9AE5AEBF-C5F5-4C8B-8293-61D24E0D515D}" type="datetimeFigureOut">
               <a:rPr lang="en-US" smtClean="0"/>
-              <a:t>12/15/2025</a:t>
+              <a:t>12/23/2025</a:t>
             </a:fld>
             <a:endParaRPr lang="en-US"/>
           </a:p>
@@ -1816,7 +1821,7 @@
           <a:p>
             <a:fld id="{9AE5AEBF-C5F5-4C8B-8293-61D24E0D515D}" type="datetimeFigureOut">
               <a:rPr lang="en-US" smtClean="0"/>
-              <a:t>12/15/2025</a:t>
+              <a:t>12/23/2025</a:t>
             </a:fld>
             <a:endParaRPr lang="en-US"/>
           </a:p>
@@ -2093,7 +2098,7 @@
           <a:p>
             <a:fld id="{9AE5AEBF-C5F5-4C8B-8293-61D24E0D515D}" type="datetimeFigureOut">
               <a:rPr lang="en-US" smtClean="0"/>
-              <a:t>12/15/2025</a:t>
+              <a:t>12/23/2025</a:t>
             </a:fld>
             <a:endParaRPr lang="en-US"/>
           </a:p>
@@ -2350,7 +2355,7 @@
           <a:p>
             <a:fld id="{9AE5AEBF-C5F5-4C8B-8293-61D24E0D515D}" type="datetimeFigureOut">
               <a:rPr lang="en-US" smtClean="0"/>
-              <a:t>12/15/2025</a:t>
+              <a:t>12/23/2025</a:t>
             </a:fld>
             <a:endParaRPr lang="en-US"/>
           </a:p>
@@ -2563,7 +2568,7 @@
           <a:p>
             <a:fld id="{9AE5AEBF-C5F5-4C8B-8293-61D24E0D515D}" type="datetimeFigureOut">
               <a:rPr lang="en-US" smtClean="0"/>
-              <a:t>12/15/2025</a:t>
+              <a:t>12/23/2025</a:t>
             </a:fld>
             <a:endParaRPr lang="en-US"/>
           </a:p>
@@ -3226,8 +3231,8 @@
         </p:nvSpPr>
         <p:spPr>
           <a:xfrm>
-            <a:off x="4191575" y="1705853"/>
-            <a:ext cx="2475727" cy="261610"/>
+            <a:off x="3956125" y="1705853"/>
+            <a:ext cx="2711178" cy="261610"/>
           </a:xfrm>
           <a:prstGeom prst="rect">
             <a:avLst/>
@@ -3245,14 +3250,14 @@
                 <a:latin typeface="Arial" panose="020B0604020202020204" pitchFamily="34" charset="0"/>
                 <a:cs typeface="Arial" panose="020B0604020202020204" pitchFamily="34" charset="0"/>
               </a:rPr>
-              <a:t>TEL. 02-67393570 | FAX </a:t>
+              <a:t>TEL. 02-2666-0849 | FAX </a:t>
             </a:r>
             <a:r>
               <a:rPr lang="en-US" sz="1100" dirty="0">
                 <a:latin typeface="Arial" panose="020B0604020202020204" pitchFamily="34" charset="0"/>
                 <a:cs typeface="Arial" panose="020B0604020202020204" pitchFamily="34" charset="0"/>
               </a:rPr>
-              <a:t>02-67393570</a:t>
+              <a:t>02-2666-0848</a:t>
             </a:r>
           </a:p>
         </p:txBody>
@@ -3286,11 +3291,18 @@
           <a:lstStyle/>
           <a:p>
             <a:r>
+              <a:rPr lang="en-US" sz="1050">
+                <a:latin typeface="Arial" panose="020B0604020202020204" pitchFamily="34" charset="0"/>
+                <a:cs typeface="Arial" panose="020B0604020202020204" pitchFamily="34" charset="0"/>
+              </a:rPr>
+              <a:t>https://korbang.</a:t>
+            </a:r>
+            <a:r>
               <a:rPr lang="en-US" sz="1050" dirty="0">
                 <a:latin typeface="Arial" panose="020B0604020202020204" pitchFamily="34" charset="0"/>
                 <a:cs typeface="Arial" panose="020B0604020202020204" pitchFamily="34" charset="0"/>
               </a:rPr>
-              <a:t>https://apawebsite.com</a:t>
+              <a:t>com</a:t>
             </a:r>
             <a:endParaRPr lang="en-US" sz="1200" dirty="0">
               <a:latin typeface="Arial" panose="020B0604020202020204" pitchFamily="34" charset="0"/>
@@ -3541,7 +3553,21 @@
                 <a:latin typeface="Arial" panose="020B0604020202020204" pitchFamily="34" charset="0"/>
                 <a:cs typeface="Arial" panose="020B0604020202020204" pitchFamily="34" charset="0"/>
               </a:rPr>
-              <a:t>LVE6LDB</a:t>
+              <a:t>{{</a:t>
+            </a:r>
+            <a:r>
+              <a:rPr lang="en-US" sz="1200" dirty="0" err="1">
+                <a:latin typeface="Arial" panose="020B0604020202020204" pitchFamily="34" charset="0"/>
+                <a:cs typeface="Arial" panose="020B0604020202020204" pitchFamily="34" charset="0"/>
+              </a:rPr>
+              <a:t>PNR_Reference</a:t>
+            </a:r>
+            <a:r>
+              <a:rPr lang="en-US" sz="1200" dirty="0">
+                <a:latin typeface="Arial" panose="020B0604020202020204" pitchFamily="34" charset="0"/>
+                <a:cs typeface="Arial" panose="020B0604020202020204" pitchFamily="34" charset="0"/>
+              </a:rPr>
+              <a:t>}}</a:t>
             </a:r>
             <a:endParaRPr lang="en-US" sz="1600" dirty="0">
               <a:latin typeface="Arial" panose="020B0604020202020204" pitchFamily="34" charset="0"/>
@@ -3817,7 +3843,21 @@
                 <a:latin typeface="Arial" panose="020B0604020202020204" pitchFamily="34" charset="0"/>
                 <a:cs typeface="Arial" panose="020B0604020202020204" pitchFamily="34" charset="0"/>
               </a:rPr>
-              <a:t>{{PTN1_Date.1}}{{PTN1_Time.1}} (Local Time)</a:t>
+              <a:t>{{PTN1_Date.</a:t>
+            </a:r>
+            <a:r>
+              <a:rPr lang="en-US" sz="1050">
+                <a:latin typeface="Arial" panose="020B0604020202020204" pitchFamily="34" charset="0"/>
+                <a:cs typeface="Arial" panose="020B0604020202020204" pitchFamily="34" charset="0"/>
+              </a:rPr>
+              <a:t>1}} {{</a:t>
+            </a:r>
+            <a:r>
+              <a:rPr lang="en-US" sz="1050" dirty="0">
+                <a:latin typeface="Arial" panose="020B0604020202020204" pitchFamily="34" charset="0"/>
+                <a:cs typeface="Arial" panose="020B0604020202020204" pitchFamily="34" charset="0"/>
+              </a:rPr>
+              <a:t>PTN1_Time.1}} (Local Time)</a:t>
             </a:r>
             <a:endParaRPr lang="en-US" sz="1200" dirty="0">
               <a:latin typeface="Arial" panose="020B0604020202020204" pitchFamily="34" charset="0"/>
@@ -3841,7 +3881,7 @@
         <p:spPr>
           <a:xfrm>
             <a:off x="5398444" y="3829747"/>
-            <a:ext cx="1142999" cy="369332"/>
+            <a:ext cx="1142999" cy="923330"/>
           </a:xfrm>
           <a:prstGeom prst="rect">
             <a:avLst/>
@@ -3859,7 +3899,21 @@
                 <a:latin typeface="Arial" panose="020B0604020202020204" pitchFamily="34" charset="0"/>
                 <a:cs typeface="Arial" panose="020B0604020202020204" pitchFamily="34" charset="0"/>
               </a:rPr>
-              <a:t>TW171</a:t>
+              <a:t>{{</a:t>
+            </a:r>
+            <a:r>
+              <a:rPr lang="en-US" b="1" dirty="0" err="1">
+                <a:latin typeface="Arial" panose="020B0604020202020204" pitchFamily="34" charset="0"/>
+                <a:cs typeface="Arial" panose="020B0604020202020204" pitchFamily="34" charset="0"/>
+              </a:rPr>
+              <a:t>Flight_number</a:t>
+            </a:r>
+            <a:r>
+              <a:rPr lang="en-US" b="1" dirty="0">
+                <a:latin typeface="Arial" panose="020B0604020202020204" pitchFamily="34" charset="0"/>
+                <a:cs typeface="Arial" panose="020B0604020202020204" pitchFamily="34" charset="0"/>
+              </a:rPr>
+              <a:t>}}</a:t>
             </a:r>
           </a:p>
         </p:txBody>
@@ -4020,7 +4074,7 @@
                 <a:latin typeface="Arial" panose="020B0604020202020204" pitchFamily="34" charset="0"/>
                 <a:cs typeface="Arial" panose="020B0604020202020204" pitchFamily="34" charset="0"/>
               </a:rPr>
-              <a:t>Q (Economy)</a:t>
+              <a:t>Y (Economy)</a:t>
             </a:r>
             <a:endParaRPr lang="en-US" sz="1200" dirty="0">
               <a:latin typeface="Arial" panose="020B0604020202020204" pitchFamily="34" charset="0"/>
@@ -4062,7 +4116,7 @@
                 <a:latin typeface="Arial" panose="020B0604020202020204" pitchFamily="34" charset="0"/>
                 <a:cs typeface="Arial" panose="020B0604020202020204" pitchFamily="34" charset="0"/>
               </a:rPr>
-              <a:t>Check in Luggage: 26kg + 26kg</a:t>
+              <a:t>Check in Luggage: 23kg + 23kg</a:t>
             </a:r>
           </a:p>
         </p:txBody>
@@ -4292,7 +4346,7 @@
         <p:spPr>
           <a:xfrm>
             <a:off x="5781666" y="5211689"/>
-            <a:ext cx="503327" cy="230823"/>
+            <a:ext cx="943381" cy="230832"/>
           </a:xfrm>
           <a:prstGeom prst="rect">
             <a:avLst/>
@@ -4310,7 +4364,7 @@
                 <a:latin typeface="Arial" panose="020B0604020202020204" pitchFamily="34" charset="0"/>
                 <a:cs typeface="Arial" panose="020B0604020202020204" pitchFamily="34" charset="0"/>
               </a:rPr>
-              <a:t>6H</a:t>
+              <a:t>{{Fly_time_1}}</a:t>
             </a:r>
             <a:endParaRPr lang="en-US" sz="1200" dirty="0">
               <a:latin typeface="Arial" panose="020B0604020202020204" pitchFamily="34" charset="0"/>
@@ -4466,8 +4520,8 @@
         </p:blipFill>
         <p:spPr>
           <a:xfrm>
-            <a:off x="425723" y="596723"/>
-            <a:ext cx="740742" cy="449920"/>
+            <a:off x="530352" y="402336"/>
+            <a:ext cx="1051560" cy="612648"/>
           </a:xfrm>
           <a:prstGeom prst="rect">
             <a:avLst/>
@@ -4537,8 +4591,8 @@
         </p:blipFill>
         <p:spPr>
           <a:xfrm>
-            <a:off x="5383230" y="586689"/>
-            <a:ext cx="952462" cy="478877"/>
+            <a:off x="4773168" y="283464"/>
+            <a:ext cx="1563624" cy="786156"/>
           </a:xfrm>
           <a:prstGeom prst="rect">
             <a:avLst/>
@@ -4698,6 +4752,48 @@
               </a:rPr>
               <a:t>}}</a:t>
             </a:r>
+          </a:p>
+        </p:txBody>
+      </p:sp>
+      <p:sp>
+        <p:nvSpPr>
+          <p:cNvPr id="13" name="TextBox 12">
+            <a:extLst>
+              <a:ext uri="{FF2B5EF4-FFF2-40B4-BE49-F238E27FC236}">
+                <a16:creationId xmlns:a16="http://schemas.microsoft.com/office/drawing/2014/main" id="{36E1DF92-3BAD-5213-8547-1E8F9646BB0B}"/>
+              </a:ext>
+            </a:extLst>
+          </p:cNvPr>
+          <p:cNvSpPr txBox="1"/>
+          <p:nvPr/>
+        </p:nvSpPr>
+        <p:spPr>
+          <a:xfrm>
+            <a:off x="372979" y="6890038"/>
+            <a:ext cx="3439548" cy="253916"/>
+          </a:xfrm>
+          <a:prstGeom prst="rect">
+            <a:avLst/>
+          </a:prstGeom>
+          <a:noFill/>
+        </p:spPr>
+        <p:txBody>
+          <a:bodyPr wrap="square" rtlCol="0">
+            <a:spAutoFit/>
+          </a:bodyPr>
+          <a:lstStyle/>
+          <a:p>
+            <a:r>
+              <a:rPr lang="en-US" sz="1050" dirty="0">
+                <a:latin typeface="Arial" panose="020B0604020202020204" pitchFamily="34" charset="0"/>
+                <a:cs typeface="Arial" panose="020B0604020202020204" pitchFamily="34" charset="0"/>
+              </a:rPr>
+              <a:t>* This Ticket is issued by Airline Chater Operator</a:t>
+            </a:r>
+            <a:endParaRPr lang="en-US" sz="1600" dirty="0">
+              <a:latin typeface="Arial" panose="020B0604020202020204" pitchFamily="34" charset="0"/>
+              <a:cs typeface="Arial" panose="020B0604020202020204" pitchFamily="34" charset="0"/>
+            </a:endParaRPr>
           </a:p>
         </p:txBody>
       </p:sp>

--- a/backend/templates/ticket_template_oneway.pptx
+++ b/backend/templates/ticket_template_oneway.pptx
@@ -243,7 +243,7 @@
           <a:p>
             <a:fld id="{9AE5AEBF-C5F5-4C8B-8293-61D24E0D515D}" type="datetimeFigureOut">
               <a:rPr lang="en-US" smtClean="0"/>
-              <a:t>12/23/2025</a:t>
+              <a:t>12/29/2025</a:t>
             </a:fld>
             <a:endParaRPr lang="en-US"/>
           </a:p>
@@ -413,7 +413,7 @@
           <a:p>
             <a:fld id="{9AE5AEBF-C5F5-4C8B-8293-61D24E0D515D}" type="datetimeFigureOut">
               <a:rPr lang="en-US" smtClean="0"/>
-              <a:t>12/23/2025</a:t>
+              <a:t>12/29/2025</a:t>
             </a:fld>
             <a:endParaRPr lang="en-US"/>
           </a:p>
@@ -593,7 +593,7 @@
           <a:p>
             <a:fld id="{9AE5AEBF-C5F5-4C8B-8293-61D24E0D515D}" type="datetimeFigureOut">
               <a:rPr lang="en-US" smtClean="0"/>
-              <a:t>12/23/2025</a:t>
+              <a:t>12/29/2025</a:t>
             </a:fld>
             <a:endParaRPr lang="en-US"/>
           </a:p>
@@ -763,7 +763,7 @@
           <a:p>
             <a:fld id="{9AE5AEBF-C5F5-4C8B-8293-61D24E0D515D}" type="datetimeFigureOut">
               <a:rPr lang="en-US" smtClean="0"/>
-              <a:t>12/23/2025</a:t>
+              <a:t>12/29/2025</a:t>
             </a:fld>
             <a:endParaRPr lang="en-US"/>
           </a:p>
@@ -1009,7 +1009,7 @@
           <a:p>
             <a:fld id="{9AE5AEBF-C5F5-4C8B-8293-61D24E0D515D}" type="datetimeFigureOut">
               <a:rPr lang="en-US" smtClean="0"/>
-              <a:t>12/23/2025</a:t>
+              <a:t>12/29/2025</a:t>
             </a:fld>
             <a:endParaRPr lang="en-US"/>
           </a:p>
@@ -1241,7 +1241,7 @@
           <a:p>
             <a:fld id="{9AE5AEBF-C5F5-4C8B-8293-61D24E0D515D}" type="datetimeFigureOut">
               <a:rPr lang="en-US" smtClean="0"/>
-              <a:t>12/23/2025</a:t>
+              <a:t>12/29/2025</a:t>
             </a:fld>
             <a:endParaRPr lang="en-US"/>
           </a:p>
@@ -1608,7 +1608,7 @@
           <a:p>
             <a:fld id="{9AE5AEBF-C5F5-4C8B-8293-61D24E0D515D}" type="datetimeFigureOut">
               <a:rPr lang="en-US" smtClean="0"/>
-              <a:t>12/23/2025</a:t>
+              <a:t>12/29/2025</a:t>
             </a:fld>
             <a:endParaRPr lang="en-US"/>
           </a:p>
@@ -1726,7 +1726,7 @@
           <a:p>
             <a:fld id="{9AE5AEBF-C5F5-4C8B-8293-61D24E0D515D}" type="datetimeFigureOut">
               <a:rPr lang="en-US" smtClean="0"/>
-              <a:t>12/23/2025</a:t>
+              <a:t>12/29/2025</a:t>
             </a:fld>
             <a:endParaRPr lang="en-US"/>
           </a:p>
@@ -1821,7 +1821,7 @@
           <a:p>
             <a:fld id="{9AE5AEBF-C5F5-4C8B-8293-61D24E0D515D}" type="datetimeFigureOut">
               <a:rPr lang="en-US" smtClean="0"/>
-              <a:t>12/23/2025</a:t>
+              <a:t>12/29/2025</a:t>
             </a:fld>
             <a:endParaRPr lang="en-US"/>
           </a:p>
@@ -2098,7 +2098,7 @@
           <a:p>
             <a:fld id="{9AE5AEBF-C5F5-4C8B-8293-61D24E0D515D}" type="datetimeFigureOut">
               <a:rPr lang="en-US" smtClean="0"/>
-              <a:t>12/23/2025</a:t>
+              <a:t>12/29/2025</a:t>
             </a:fld>
             <a:endParaRPr lang="en-US"/>
           </a:p>
@@ -2355,7 +2355,7 @@
           <a:p>
             <a:fld id="{9AE5AEBF-C5F5-4C8B-8293-61D24E0D515D}" type="datetimeFigureOut">
               <a:rPr lang="en-US" smtClean="0"/>
-              <a:t>12/23/2025</a:t>
+              <a:t>12/29/2025</a:t>
             </a:fld>
             <a:endParaRPr lang="en-US"/>
           </a:p>
@@ -2568,7 +2568,7 @@
           <a:p>
             <a:fld id="{9AE5AEBF-C5F5-4C8B-8293-61D24E0D515D}" type="datetimeFigureOut">
               <a:rPr lang="en-US" smtClean="0"/>
-              <a:t>12/23/2025</a:t>
+              <a:t>12/29/2025</a:t>
             </a:fld>
             <a:endParaRPr lang="en-US"/>
           </a:p>
@@ -3250,7 +3250,7 @@
                 <a:latin typeface="Arial" panose="020B0604020202020204" pitchFamily="34" charset="0"/>
                 <a:cs typeface="Arial" panose="020B0604020202020204" pitchFamily="34" charset="0"/>
               </a:rPr>
-              <a:t>TEL. 02-2666-0849 | FAX </a:t>
+              <a:t>TEL. 02-2666-0847 | FAX </a:t>
             </a:r>
             <a:r>
               <a:rPr lang="en-US" sz="1100" dirty="0">
@@ -3276,8 +3276,8 @@
         </p:nvSpPr>
         <p:spPr>
           <a:xfrm>
-            <a:off x="5090712" y="1977418"/>
-            <a:ext cx="1634335" cy="253916"/>
+            <a:off x="4841214" y="1977418"/>
+            <a:ext cx="1883833" cy="253916"/>
           </a:xfrm>
           <a:prstGeom prst="rect">
             <a:avLst/>
@@ -3291,18 +3291,11 @@
           <a:lstStyle/>
           <a:p>
             <a:r>
-              <a:rPr lang="en-US" sz="1050">
-                <a:latin typeface="Arial" panose="020B0604020202020204" pitchFamily="34" charset="0"/>
-                <a:cs typeface="Arial" panose="020B0604020202020204" pitchFamily="34" charset="0"/>
-              </a:rPr>
-              <a:t>https://korbang.</a:t>
-            </a:r>
-            <a:r>
               <a:rPr lang="en-US" sz="1050" dirty="0">
                 <a:latin typeface="Arial" panose="020B0604020202020204" pitchFamily="34" charset="0"/>
                 <a:cs typeface="Arial" panose="020B0604020202020204" pitchFamily="34" charset="0"/>
               </a:rPr>
-              <a:t>com</a:t>
+              <a:t>https://www.korbang.com</a:t>
             </a:r>
             <a:endParaRPr lang="en-US" sz="1200" dirty="0">
               <a:latin typeface="Arial" panose="020B0604020202020204" pitchFamily="34" charset="0"/>
@@ -4116,7 +4109,7 @@
                 <a:latin typeface="Arial" panose="020B0604020202020204" pitchFamily="34" charset="0"/>
                 <a:cs typeface="Arial" panose="020B0604020202020204" pitchFamily="34" charset="0"/>
               </a:rPr>
-              <a:t>Check in Luggage: 23kg + 23kg</a:t>
+              <a:t>Check in Luggage: {{luggage}}</a:t>
             </a:r>
           </a:p>
         </p:txBody>
@@ -4717,7 +4710,7 @@
         </p:nvSpPr>
         <p:spPr>
           <a:xfrm>
-            <a:off x="2163609" y="2537691"/>
+            <a:off x="2189009" y="2537691"/>
             <a:ext cx="1219192" cy="276999"/>
           </a:xfrm>
           <a:prstGeom prst="rect">
@@ -4788,7 +4781,21 @@
                 <a:latin typeface="Arial" panose="020B0604020202020204" pitchFamily="34" charset="0"/>
                 <a:cs typeface="Arial" panose="020B0604020202020204" pitchFamily="34" charset="0"/>
               </a:rPr>
-              <a:t>* This Ticket is issued by Airline Chater Operator</a:t>
+              <a:t>* This Ticket is issued by </a:t>
+            </a:r>
+            <a:r>
+              <a:rPr lang="en-US" sz="1050">
+                <a:latin typeface="Arial" panose="020B0604020202020204" pitchFamily="34" charset="0"/>
+                <a:cs typeface="Arial" panose="020B0604020202020204" pitchFamily="34" charset="0"/>
+              </a:rPr>
+              <a:t>Airline Charter </a:t>
+            </a:r>
+            <a:r>
+              <a:rPr lang="en-US" sz="1050" dirty="0">
+                <a:latin typeface="Arial" panose="020B0604020202020204" pitchFamily="34" charset="0"/>
+                <a:cs typeface="Arial" panose="020B0604020202020204" pitchFamily="34" charset="0"/>
+              </a:rPr>
+              <a:t>Operator</a:t>
             </a:r>
             <a:endParaRPr lang="en-US" sz="1600" dirty="0">
               <a:latin typeface="Arial" panose="020B0604020202020204" pitchFamily="34" charset="0"/>

--- a/backend/templates/ticket_template_oneway.pptx
+++ b/backend/templates/ticket_template_oneway.pptx
@@ -243,7 +243,7 @@
           <a:p>
             <a:fld id="{9AE5AEBF-C5F5-4C8B-8293-61D24E0D515D}" type="datetimeFigureOut">
               <a:rPr lang="en-US" smtClean="0"/>
-              <a:t>12/29/2025</a:t>
+              <a:t>1/7/2026</a:t>
             </a:fld>
             <a:endParaRPr lang="en-US"/>
           </a:p>
@@ -413,7 +413,7 @@
           <a:p>
             <a:fld id="{9AE5AEBF-C5F5-4C8B-8293-61D24E0D515D}" type="datetimeFigureOut">
               <a:rPr lang="en-US" smtClean="0"/>
-              <a:t>12/29/2025</a:t>
+              <a:t>1/7/2026</a:t>
             </a:fld>
             <a:endParaRPr lang="en-US"/>
           </a:p>
@@ -593,7 +593,7 @@
           <a:p>
             <a:fld id="{9AE5AEBF-C5F5-4C8B-8293-61D24E0D515D}" type="datetimeFigureOut">
               <a:rPr lang="en-US" smtClean="0"/>
-              <a:t>12/29/2025</a:t>
+              <a:t>1/7/2026</a:t>
             </a:fld>
             <a:endParaRPr lang="en-US"/>
           </a:p>
@@ -763,7 +763,7 @@
           <a:p>
             <a:fld id="{9AE5AEBF-C5F5-4C8B-8293-61D24E0D515D}" type="datetimeFigureOut">
               <a:rPr lang="en-US" smtClean="0"/>
-              <a:t>12/29/2025</a:t>
+              <a:t>1/7/2026</a:t>
             </a:fld>
             <a:endParaRPr lang="en-US"/>
           </a:p>
@@ -1009,7 +1009,7 @@
           <a:p>
             <a:fld id="{9AE5AEBF-C5F5-4C8B-8293-61D24E0D515D}" type="datetimeFigureOut">
               <a:rPr lang="en-US" smtClean="0"/>
-              <a:t>12/29/2025</a:t>
+              <a:t>1/7/2026</a:t>
             </a:fld>
             <a:endParaRPr lang="en-US"/>
           </a:p>
@@ -1241,7 +1241,7 @@
           <a:p>
             <a:fld id="{9AE5AEBF-C5F5-4C8B-8293-61D24E0D515D}" type="datetimeFigureOut">
               <a:rPr lang="en-US" smtClean="0"/>
-              <a:t>12/29/2025</a:t>
+              <a:t>1/7/2026</a:t>
             </a:fld>
             <a:endParaRPr lang="en-US"/>
           </a:p>
@@ -1608,7 +1608,7 @@
           <a:p>
             <a:fld id="{9AE5AEBF-C5F5-4C8B-8293-61D24E0D515D}" type="datetimeFigureOut">
               <a:rPr lang="en-US" smtClean="0"/>
-              <a:t>12/29/2025</a:t>
+              <a:t>1/7/2026</a:t>
             </a:fld>
             <a:endParaRPr lang="en-US"/>
           </a:p>
@@ -1726,7 +1726,7 @@
           <a:p>
             <a:fld id="{9AE5AEBF-C5F5-4C8B-8293-61D24E0D515D}" type="datetimeFigureOut">
               <a:rPr lang="en-US" smtClean="0"/>
-              <a:t>12/29/2025</a:t>
+              <a:t>1/7/2026</a:t>
             </a:fld>
             <a:endParaRPr lang="en-US"/>
           </a:p>
@@ -1821,7 +1821,7 @@
           <a:p>
             <a:fld id="{9AE5AEBF-C5F5-4C8B-8293-61D24E0D515D}" type="datetimeFigureOut">
               <a:rPr lang="en-US" smtClean="0"/>
-              <a:t>12/29/2025</a:t>
+              <a:t>1/7/2026</a:t>
             </a:fld>
             <a:endParaRPr lang="en-US"/>
           </a:p>
@@ -2098,7 +2098,7 @@
           <a:p>
             <a:fld id="{9AE5AEBF-C5F5-4C8B-8293-61D24E0D515D}" type="datetimeFigureOut">
               <a:rPr lang="en-US" smtClean="0"/>
-              <a:t>12/29/2025</a:t>
+              <a:t>1/7/2026</a:t>
             </a:fld>
             <a:endParaRPr lang="en-US"/>
           </a:p>
@@ -2355,7 +2355,7 @@
           <a:p>
             <a:fld id="{9AE5AEBF-C5F5-4C8B-8293-61D24E0D515D}" type="datetimeFigureOut">
               <a:rPr lang="en-US" smtClean="0"/>
-              <a:t>12/29/2025</a:t>
+              <a:t>1/7/2026</a:t>
             </a:fld>
             <a:endParaRPr lang="en-US"/>
           </a:p>
@@ -2568,7 +2568,7 @@
           <a:p>
             <a:fld id="{9AE5AEBF-C5F5-4C8B-8293-61D24E0D515D}" type="datetimeFigureOut">
               <a:rPr lang="en-US" smtClean="0"/>
-              <a:t>12/29/2025</a:t>
+              <a:t>1/7/2026</a:t>
             </a:fld>
             <a:endParaRPr lang="en-US"/>
           </a:p>
@@ -3378,197 +3378,6 @@
           </a:fontRef>
         </p:style>
       </p:cxnSp>
-      <p:sp>
-        <p:nvSpPr>
-          <p:cNvPr id="17" name="TextBox 16">
-            <a:extLst>
-              <a:ext uri="{FF2B5EF4-FFF2-40B4-BE49-F238E27FC236}">
-                <a16:creationId xmlns:a16="http://schemas.microsoft.com/office/drawing/2014/main" id="{948FD6F8-30A5-45D1-6E70-786A625E9835}"/>
-              </a:ext>
-            </a:extLst>
-          </p:cNvPr>
-          <p:cNvSpPr txBox="1"/>
-          <p:nvPr/>
-        </p:nvSpPr>
-        <p:spPr>
-          <a:xfrm>
-            <a:off x="312819" y="2441586"/>
-            <a:ext cx="2095501" cy="438582"/>
-          </a:xfrm>
-          <a:prstGeom prst="rect">
-            <a:avLst/>
-          </a:prstGeom>
-          <a:noFill/>
-        </p:spPr>
-        <p:txBody>
-          <a:bodyPr wrap="square" rtlCol="0">
-            <a:spAutoFit/>
-          </a:bodyPr>
-          <a:lstStyle/>
-          <a:p>
-            <a:r>
-              <a:rPr lang="en-US" sz="1050" dirty="0">
-                <a:latin typeface="Arial" panose="020B0604020202020204" pitchFamily="34" charset="0"/>
-                <a:cs typeface="Arial" panose="020B0604020202020204" pitchFamily="34" charset="0"/>
-              </a:rPr>
-              <a:t>Passenger Name</a:t>
-            </a:r>
-          </a:p>
-          <a:p>
-            <a:r>
-              <a:rPr lang="en-US" sz="1200" dirty="0">
-                <a:latin typeface="Arial" panose="020B0604020202020204" pitchFamily="34" charset="0"/>
-                <a:cs typeface="Arial" panose="020B0604020202020204" pitchFamily="34" charset="0"/>
-              </a:rPr>
-              <a:t>{{</a:t>
-            </a:r>
-            <a:r>
-              <a:rPr lang="en-US" sz="1200" dirty="0" err="1">
-                <a:latin typeface="Arial" panose="020B0604020202020204" pitchFamily="34" charset="0"/>
-                <a:cs typeface="Arial" panose="020B0604020202020204" pitchFamily="34" charset="0"/>
-              </a:rPr>
-              <a:t>PAX_name</a:t>
-            </a:r>
-            <a:r>
-              <a:rPr lang="en-US" sz="1200" dirty="0">
-                <a:latin typeface="Arial" panose="020B0604020202020204" pitchFamily="34" charset="0"/>
-                <a:cs typeface="Arial" panose="020B0604020202020204" pitchFamily="34" charset="0"/>
-              </a:rPr>
-              <a:t>}}</a:t>
-            </a:r>
-            <a:endParaRPr lang="en-US" sz="1600" dirty="0">
-              <a:latin typeface="Arial" panose="020B0604020202020204" pitchFamily="34" charset="0"/>
-              <a:cs typeface="Arial" panose="020B0604020202020204" pitchFamily="34" charset="0"/>
-            </a:endParaRPr>
-          </a:p>
-        </p:txBody>
-      </p:sp>
-      <p:sp>
-        <p:nvSpPr>
-          <p:cNvPr id="18" name="TextBox 17">
-            <a:extLst>
-              <a:ext uri="{FF2B5EF4-FFF2-40B4-BE49-F238E27FC236}">
-                <a16:creationId xmlns:a16="http://schemas.microsoft.com/office/drawing/2014/main" id="{0982127D-D526-1DE9-0549-9373A768CB50}"/>
-              </a:ext>
-            </a:extLst>
-          </p:cNvPr>
-          <p:cNvSpPr txBox="1"/>
-          <p:nvPr/>
-        </p:nvSpPr>
-        <p:spPr>
-          <a:xfrm>
-            <a:off x="3499397" y="2436066"/>
-            <a:ext cx="1883833" cy="438582"/>
-          </a:xfrm>
-          <a:prstGeom prst="rect">
-            <a:avLst/>
-          </a:prstGeom>
-          <a:noFill/>
-        </p:spPr>
-        <p:txBody>
-          <a:bodyPr wrap="square" rtlCol="0">
-            <a:spAutoFit/>
-          </a:bodyPr>
-          <a:lstStyle/>
-          <a:p>
-            <a:r>
-              <a:rPr lang="en-US" sz="1050" dirty="0">
-                <a:latin typeface="Arial" panose="020B0604020202020204" pitchFamily="34" charset="0"/>
-                <a:cs typeface="Arial" panose="020B0604020202020204" pitchFamily="34" charset="0"/>
-              </a:rPr>
-              <a:t>Ticket Number</a:t>
-            </a:r>
-          </a:p>
-          <a:p>
-            <a:r>
-              <a:rPr lang="en-US" sz="1200" dirty="0">
-                <a:latin typeface="Arial" panose="020B0604020202020204" pitchFamily="34" charset="0"/>
-                <a:cs typeface="Arial" panose="020B0604020202020204" pitchFamily="34" charset="0"/>
-              </a:rPr>
-              <a:t>{{</a:t>
-            </a:r>
-            <a:r>
-              <a:rPr lang="en-US" sz="1200" dirty="0" err="1">
-                <a:latin typeface="Arial" panose="020B0604020202020204" pitchFamily="34" charset="0"/>
-                <a:cs typeface="Arial" panose="020B0604020202020204" pitchFamily="34" charset="0"/>
-              </a:rPr>
-              <a:t>Ticket_Number</a:t>
-            </a:r>
-            <a:r>
-              <a:rPr lang="en-US" sz="1200" dirty="0">
-                <a:latin typeface="Arial" panose="020B0604020202020204" pitchFamily="34" charset="0"/>
-                <a:cs typeface="Arial" panose="020B0604020202020204" pitchFamily="34" charset="0"/>
-              </a:rPr>
-              <a:t>}}</a:t>
-            </a:r>
-          </a:p>
-        </p:txBody>
-      </p:sp>
-      <p:sp>
-        <p:nvSpPr>
-          <p:cNvPr id="19" name="TextBox 18">
-            <a:extLst>
-              <a:ext uri="{FF2B5EF4-FFF2-40B4-BE49-F238E27FC236}">
-                <a16:creationId xmlns:a16="http://schemas.microsoft.com/office/drawing/2014/main" id="{C529A065-3166-EEE2-A062-75CD4F5B08F6}"/>
-              </a:ext>
-            </a:extLst>
-          </p:cNvPr>
-          <p:cNvSpPr txBox="1"/>
-          <p:nvPr/>
-        </p:nvSpPr>
-        <p:spPr>
-          <a:xfrm>
-            <a:off x="5142270" y="2448045"/>
-            <a:ext cx="1655346" cy="438582"/>
-          </a:xfrm>
-          <a:prstGeom prst="rect">
-            <a:avLst/>
-          </a:prstGeom>
-          <a:noFill/>
-        </p:spPr>
-        <p:txBody>
-          <a:bodyPr wrap="square" rtlCol="0">
-            <a:spAutoFit/>
-          </a:bodyPr>
-          <a:lstStyle/>
-          <a:p>
-            <a:r>
-              <a:rPr lang="en-US" sz="1050" dirty="0">
-                <a:latin typeface="Arial" panose="020B0604020202020204" pitchFamily="34" charset="0"/>
-                <a:cs typeface="Arial" panose="020B0604020202020204" pitchFamily="34" charset="0"/>
-              </a:rPr>
-              <a:t>Booking Reference</a:t>
-            </a:r>
-          </a:p>
-          <a:p>
-            <a:r>
-              <a:rPr lang="en-US" sz="1200" dirty="0">
-                <a:latin typeface="Arial" panose="020B0604020202020204" pitchFamily="34" charset="0"/>
-                <a:cs typeface="Arial" panose="020B0604020202020204" pitchFamily="34" charset="0"/>
-              </a:rPr>
-              <a:t>{{</a:t>
-            </a:r>
-            <a:r>
-              <a:rPr lang="en-US" sz="1200" dirty="0" err="1">
-                <a:latin typeface="Arial" panose="020B0604020202020204" pitchFamily="34" charset="0"/>
-                <a:cs typeface="Arial" panose="020B0604020202020204" pitchFamily="34" charset="0"/>
-              </a:rPr>
-              <a:t>PNR_Reference</a:t>
-            </a:r>
-            <a:r>
-              <a:rPr lang="en-US" sz="1200" dirty="0">
-                <a:latin typeface="Arial" panose="020B0604020202020204" pitchFamily="34" charset="0"/>
-                <a:cs typeface="Arial" panose="020B0604020202020204" pitchFamily="34" charset="0"/>
-              </a:rPr>
-              <a:t>}}</a:t>
-            </a:r>
-            <a:endParaRPr lang="en-US" sz="1600" dirty="0">
-              <a:latin typeface="Arial" panose="020B0604020202020204" pitchFamily="34" charset="0"/>
-              <a:cs typeface="Arial" panose="020B0604020202020204" pitchFamily="34" charset="0"/>
-            </a:endParaRPr>
-          </a:p>
-        </p:txBody>
-      </p:sp>
       <p:cxnSp>
         <p:nvCxnSpPr>
           <p:cNvPr id="20" name="Straight Connector 19">
@@ -4474,7 +4283,21 @@
                 <a:latin typeface="Arial" panose="020B0604020202020204" pitchFamily="34" charset="0"/>
                 <a:cs typeface="Arial" panose="020B0604020202020204" pitchFamily="34" charset="0"/>
               </a:rPr>
-              <a:t>Cabin Luggage : 10kg</a:t>
+              <a:t>{{</a:t>
+            </a:r>
+            <a:r>
+              <a:rPr lang="en-US" sz="900" dirty="0" err="1">
+                <a:latin typeface="Arial" panose="020B0604020202020204" pitchFamily="34" charset="0"/>
+                <a:cs typeface="Arial" panose="020B0604020202020204" pitchFamily="34" charset="0"/>
+              </a:rPr>
+              <a:t>Cabin_luggage</a:t>
+            </a:r>
+            <a:r>
+              <a:rPr lang="en-US" sz="900" dirty="0">
+                <a:latin typeface="Arial" panose="020B0604020202020204" pitchFamily="34" charset="0"/>
+                <a:cs typeface="Arial" panose="020B0604020202020204" pitchFamily="34" charset="0"/>
+              </a:rPr>
+              <a:t>}}</a:t>
             </a:r>
             <a:endParaRPr lang="en-US" sz="1200" dirty="0">
               <a:latin typeface="Arial" panose="020B0604020202020204" pitchFamily="34" charset="0"/>
@@ -4698,58 +4521,6 @@
       </p:sp>
       <p:sp>
         <p:nvSpPr>
-          <p:cNvPr id="32" name="TextBox 31">
-            <a:extLst>
-              <a:ext uri="{FF2B5EF4-FFF2-40B4-BE49-F238E27FC236}">
-                <a16:creationId xmlns:a16="http://schemas.microsoft.com/office/drawing/2014/main" id="{E559A9D0-EEF6-BA43-CA98-D74349C3C738}"/>
-              </a:ext>
-            </a:extLst>
-          </p:cNvPr>
-          <p:cNvSpPr txBox="1"/>
-          <p:nvPr/>
-        </p:nvSpPr>
-        <p:spPr>
-          <a:xfrm>
-            <a:off x="2189009" y="2537691"/>
-            <a:ext cx="1219192" cy="276999"/>
-          </a:xfrm>
-          <a:prstGeom prst="rect">
-            <a:avLst/>
-          </a:prstGeom>
-          <a:noFill/>
-        </p:spPr>
-        <p:txBody>
-          <a:bodyPr wrap="square" rtlCol="0">
-            <a:spAutoFit/>
-          </a:bodyPr>
-          <a:lstStyle/>
-          <a:p>
-            <a:r>
-              <a:rPr lang="en-US" sz="1200" dirty="0">
-                <a:latin typeface="Arial" panose="020B0604020202020204" pitchFamily="34" charset="0"/>
-                <a:cs typeface="Arial" panose="020B0604020202020204" pitchFamily="34" charset="0"/>
-              </a:rPr>
-              <a:t>{{</a:t>
-            </a:r>
-            <a:r>
-              <a:rPr lang="en-US" sz="1200" dirty="0" err="1">
-                <a:latin typeface="Arial" panose="020B0604020202020204" pitchFamily="34" charset="0"/>
-                <a:cs typeface="Arial" panose="020B0604020202020204" pitchFamily="34" charset="0"/>
-              </a:rPr>
-              <a:t>Ticket_Type</a:t>
-            </a:r>
-            <a:r>
-              <a:rPr lang="en-US" sz="1200" dirty="0">
-                <a:latin typeface="Arial" panose="020B0604020202020204" pitchFamily="34" charset="0"/>
-                <a:cs typeface="Arial" panose="020B0604020202020204" pitchFamily="34" charset="0"/>
-              </a:rPr>
-              <a:t>}}</a:t>
-            </a:r>
-          </a:p>
-        </p:txBody>
-      </p:sp>
-      <p:sp>
-        <p:nvSpPr>
           <p:cNvPr id="13" name="TextBox 12">
             <a:extLst>
               <a:ext uri="{FF2B5EF4-FFF2-40B4-BE49-F238E27FC236}">
@@ -4798,6 +4569,240 @@
               <a:t>Operator</a:t>
             </a:r>
             <a:endParaRPr lang="en-US" sz="1600" dirty="0">
+              <a:latin typeface="Arial" panose="020B0604020202020204" pitchFamily="34" charset="0"/>
+              <a:cs typeface="Arial" panose="020B0604020202020204" pitchFamily="34" charset="0"/>
+            </a:endParaRPr>
+          </a:p>
+        </p:txBody>
+      </p:sp>
+      <p:sp>
+        <p:nvSpPr>
+          <p:cNvPr id="14" name="TextBox 13">
+            <a:extLst>
+              <a:ext uri="{FF2B5EF4-FFF2-40B4-BE49-F238E27FC236}">
+                <a16:creationId xmlns:a16="http://schemas.microsoft.com/office/drawing/2014/main" id="{B133EECE-2955-C55D-9248-820C829AA6E7}"/>
+              </a:ext>
+            </a:extLst>
+          </p:cNvPr>
+          <p:cNvSpPr txBox="1"/>
+          <p:nvPr/>
+        </p:nvSpPr>
+        <p:spPr>
+          <a:xfrm>
+            <a:off x="318076" y="2389208"/>
+            <a:ext cx="2399206" cy="253916"/>
+          </a:xfrm>
+          <a:prstGeom prst="rect">
+            <a:avLst/>
+          </a:prstGeom>
+          <a:noFill/>
+        </p:spPr>
+        <p:txBody>
+          <a:bodyPr wrap="square" rtlCol="0">
+            <a:spAutoFit/>
+          </a:bodyPr>
+          <a:lstStyle/>
+          <a:p>
+            <a:r>
+              <a:rPr lang="en-US" sz="1050" dirty="0">
+                <a:latin typeface="Arial" panose="020B0604020202020204" pitchFamily="34" charset="0"/>
+                <a:cs typeface="Arial" panose="020B0604020202020204" pitchFamily="34" charset="0"/>
+              </a:rPr>
+              <a:t>Passenger Name / {{</a:t>
+            </a:r>
+            <a:r>
+              <a:rPr lang="en-US" sz="1050" dirty="0" err="1">
+                <a:latin typeface="Arial" panose="020B0604020202020204" pitchFamily="34" charset="0"/>
+                <a:cs typeface="Arial" panose="020B0604020202020204" pitchFamily="34" charset="0"/>
+              </a:rPr>
+              <a:t>Ticket_Type</a:t>
+            </a:r>
+            <a:r>
+              <a:rPr lang="en-US" sz="1050" dirty="0">
+                <a:latin typeface="Arial" panose="020B0604020202020204" pitchFamily="34" charset="0"/>
+                <a:cs typeface="Arial" panose="020B0604020202020204" pitchFamily="34" charset="0"/>
+              </a:rPr>
+              <a:t>}}</a:t>
+            </a:r>
+          </a:p>
+        </p:txBody>
+      </p:sp>
+      <p:sp>
+        <p:nvSpPr>
+          <p:cNvPr id="15" name="TextBox 14">
+            <a:extLst>
+              <a:ext uri="{FF2B5EF4-FFF2-40B4-BE49-F238E27FC236}">
+                <a16:creationId xmlns:a16="http://schemas.microsoft.com/office/drawing/2014/main" id="{0181A371-58C5-50B0-3A9D-43B584D5825F}"/>
+              </a:ext>
+            </a:extLst>
+          </p:cNvPr>
+          <p:cNvSpPr txBox="1"/>
+          <p:nvPr/>
+        </p:nvSpPr>
+        <p:spPr>
+          <a:xfrm>
+            <a:off x="2864845" y="2398535"/>
+            <a:ext cx="1883833" cy="438582"/>
+          </a:xfrm>
+          <a:prstGeom prst="rect">
+            <a:avLst/>
+          </a:prstGeom>
+          <a:noFill/>
+        </p:spPr>
+        <p:txBody>
+          <a:bodyPr wrap="square" rtlCol="0">
+            <a:spAutoFit/>
+          </a:bodyPr>
+          <a:lstStyle/>
+          <a:p>
+            <a:r>
+              <a:rPr lang="en-US" sz="1050" dirty="0">
+                <a:latin typeface="Arial" panose="020B0604020202020204" pitchFamily="34" charset="0"/>
+                <a:cs typeface="Arial" panose="020B0604020202020204" pitchFamily="34" charset="0"/>
+              </a:rPr>
+              <a:t>Ticket Number</a:t>
+            </a:r>
+          </a:p>
+          <a:p>
+            <a:r>
+              <a:rPr lang="en-US" sz="1100" dirty="0">
+                <a:latin typeface="Arial" panose="020B0604020202020204" pitchFamily="34" charset="0"/>
+                <a:cs typeface="Arial" panose="020B0604020202020204" pitchFamily="34" charset="0"/>
+              </a:rPr>
+              <a:t>{{</a:t>
+            </a:r>
+            <a:r>
+              <a:rPr lang="en-US" sz="1100" dirty="0" err="1">
+                <a:latin typeface="Arial" panose="020B0604020202020204" pitchFamily="34" charset="0"/>
+                <a:cs typeface="Arial" panose="020B0604020202020204" pitchFamily="34" charset="0"/>
+              </a:rPr>
+              <a:t>Ticket_Number</a:t>
+            </a:r>
+            <a:r>
+              <a:rPr lang="en-US" sz="1100" dirty="0">
+                <a:latin typeface="Arial" panose="020B0604020202020204" pitchFamily="34" charset="0"/>
+                <a:cs typeface="Arial" panose="020B0604020202020204" pitchFamily="34" charset="0"/>
+              </a:rPr>
+              <a:t>}}</a:t>
+            </a:r>
+          </a:p>
+        </p:txBody>
+      </p:sp>
+      <p:sp>
+        <p:nvSpPr>
+          <p:cNvPr id="24" name="TextBox 23">
+            <a:extLst>
+              <a:ext uri="{FF2B5EF4-FFF2-40B4-BE49-F238E27FC236}">
+                <a16:creationId xmlns:a16="http://schemas.microsoft.com/office/drawing/2014/main" id="{72978F4D-4E6C-8860-4576-90212F3F0556}"/>
+              </a:ext>
+            </a:extLst>
+          </p:cNvPr>
+          <p:cNvSpPr txBox="1"/>
+          <p:nvPr/>
+        </p:nvSpPr>
+        <p:spPr>
+          <a:xfrm>
+            <a:off x="5011956" y="2385357"/>
+            <a:ext cx="1655346" cy="438582"/>
+          </a:xfrm>
+          <a:prstGeom prst="rect">
+            <a:avLst/>
+          </a:prstGeom>
+          <a:noFill/>
+        </p:spPr>
+        <p:txBody>
+          <a:bodyPr wrap="square" rtlCol="0">
+            <a:spAutoFit/>
+          </a:bodyPr>
+          <a:lstStyle/>
+          <a:p>
+            <a:r>
+              <a:rPr lang="en-US" sz="1050" dirty="0">
+                <a:latin typeface="Arial" panose="020B0604020202020204" pitchFamily="34" charset="0"/>
+                <a:cs typeface="Arial" panose="020B0604020202020204" pitchFamily="34" charset="0"/>
+              </a:rPr>
+              <a:t>Booking Reference</a:t>
+            </a:r>
+          </a:p>
+          <a:p>
+            <a:r>
+              <a:rPr lang="en-US" sz="1100" dirty="0">
+                <a:latin typeface="Arial" panose="020B0604020202020204" pitchFamily="34" charset="0"/>
+                <a:cs typeface="Arial" panose="020B0604020202020204" pitchFamily="34" charset="0"/>
+              </a:rPr>
+              <a:t>{{</a:t>
+            </a:r>
+            <a:r>
+              <a:rPr lang="en-US" sz="1100" dirty="0" err="1">
+                <a:latin typeface="Arial" panose="020B0604020202020204" pitchFamily="34" charset="0"/>
+                <a:cs typeface="Arial" panose="020B0604020202020204" pitchFamily="34" charset="0"/>
+              </a:rPr>
+              <a:t>PNR_Reference</a:t>
+            </a:r>
+            <a:r>
+              <a:rPr lang="en-US" sz="1100" dirty="0">
+                <a:latin typeface="Arial" panose="020B0604020202020204" pitchFamily="34" charset="0"/>
+                <a:cs typeface="Arial" panose="020B0604020202020204" pitchFamily="34" charset="0"/>
+              </a:rPr>
+              <a:t>}}</a:t>
+            </a:r>
+            <a:endParaRPr lang="en-US" sz="1400" dirty="0">
+              <a:latin typeface="Arial" panose="020B0604020202020204" pitchFamily="34" charset="0"/>
+              <a:cs typeface="Arial" panose="020B0604020202020204" pitchFamily="34" charset="0"/>
+            </a:endParaRPr>
+          </a:p>
+        </p:txBody>
+      </p:sp>
+      <p:sp>
+        <p:nvSpPr>
+          <p:cNvPr id="19" name="TextBox 18">
+            <a:extLst>
+              <a:ext uri="{FF2B5EF4-FFF2-40B4-BE49-F238E27FC236}">
+                <a16:creationId xmlns:a16="http://schemas.microsoft.com/office/drawing/2014/main" id="{A6D9B973-D573-D4F6-0460-96A85032D166}"/>
+              </a:ext>
+            </a:extLst>
+          </p:cNvPr>
+          <p:cNvSpPr txBox="1"/>
+          <p:nvPr/>
+        </p:nvSpPr>
+        <p:spPr>
+          <a:xfrm>
+            <a:off x="323238" y="2604323"/>
+            <a:ext cx="1743374" cy="261610"/>
+          </a:xfrm>
+          <a:prstGeom prst="rect">
+            <a:avLst/>
+          </a:prstGeom>
+          <a:noFill/>
+        </p:spPr>
+        <p:txBody>
+          <a:bodyPr wrap="square">
+            <a:spAutoFit/>
+          </a:bodyPr>
+          <a:lstStyle/>
+          <a:p>
+            <a:r>
+              <a:rPr lang="en-US" sz="1100" dirty="0">
+                <a:latin typeface="Arial" panose="020B0604020202020204" pitchFamily="34" charset="0"/>
+                <a:cs typeface="Arial" panose="020B0604020202020204" pitchFamily="34" charset="0"/>
+              </a:rPr>
+              <a:t>{{</a:t>
+            </a:r>
+            <a:r>
+              <a:rPr lang="en-US" sz="1100" dirty="0" err="1">
+                <a:latin typeface="Arial" panose="020B0604020202020204" pitchFamily="34" charset="0"/>
+                <a:cs typeface="Arial" panose="020B0604020202020204" pitchFamily="34" charset="0"/>
+              </a:rPr>
+              <a:t>PAX_name</a:t>
+            </a:r>
+            <a:r>
+              <a:rPr lang="en-US" sz="1100" dirty="0">
+                <a:latin typeface="Arial" panose="020B0604020202020204" pitchFamily="34" charset="0"/>
+                <a:cs typeface="Arial" panose="020B0604020202020204" pitchFamily="34" charset="0"/>
+              </a:rPr>
+              <a:t>}}</a:t>
+            </a:r>
+            <a:endParaRPr lang="en-US" sz="1400" dirty="0">
               <a:latin typeface="Arial" panose="020B0604020202020204" pitchFamily="34" charset="0"/>
               <a:cs typeface="Arial" panose="020B0604020202020204" pitchFamily="34" charset="0"/>
             </a:endParaRPr>
